--- a/NodeJs/Nodejs-SoftUni-Revision/L03_express/doc/05. View-Engines.pptx
+++ b/NodeJs/Nodejs-SoftUni-Revision/L03_express/doc/05. View-Engines.pptx
@@ -302,7 +302,7 @@
             <a:fld id="{FE5B4EDC-59C0-49C7-8ADA-5A781B329E02}" type="datetimeFigureOut">
               <a:rPr lang="en-US"/>
               <a:pPr/>
-              <a:t>6/4/2018</a:t>
+              <a:t>1/20/2019</a:t>
             </a:fld>
             <a:endParaRPr dirty="0"/>
           </a:p>
@@ -501,7 +501,7 @@
             <a:fld id="{F2D8D46A-B586-417D-BFBD-8C8FE0AAF762}" type="datetimeFigureOut">
               <a:rPr lang="en-US" smtClean="0"/>
               <a:pPr/>
-              <a:t>6/4/2018</a:t>
+              <a:t>1/20/2019</a:t>
             </a:fld>
             <a:endParaRPr lang="en-US"/>
           </a:p>
@@ -2182,20 +2182,6 @@
 <file path=ppt/slideLayouts/slideLayout1.xml><?xml version="1.0" encoding="utf-8"?>
 <p:sldLayout xmlns:a="http://schemas.openxmlformats.org/drawingml/2006/main" xmlns:r="http://schemas.openxmlformats.org/officeDocument/2006/relationships" xmlns:p="http://schemas.openxmlformats.org/presentationml/2006/main" preserve="1" userDrawn="1">
   <p:cSld name="Presentation Title Slide">
-    <p:bg bwMode="grayWhite">
-      <p:bgPr>
-        <a:blipFill dpi="0" rotWithShape="1">
-          <a:blip r:embed="rId2">
-            <a:lum/>
-          </a:blip>
-          <a:srcRect/>
-          <a:stretch>
-            <a:fillRect/>
-          </a:stretch>
-        </a:blipFill>
-        <a:effectLst/>
-      </p:bgPr>
-    </p:bg>
     <p:spTree>
       <p:nvGrpSpPr>
         <p:cNvPr id="1" name=""/>
@@ -2694,20 +2680,6 @@
 <file path=ppt/slideLayouts/slideLayout10.xml><?xml version="1.0" encoding="utf-8"?>
 <p:sldLayout xmlns:a="http://schemas.openxmlformats.org/drawingml/2006/main" xmlns:r="http://schemas.openxmlformats.org/officeDocument/2006/relationships" xmlns:p="http://schemas.openxmlformats.org/presentationml/2006/main" userDrawn="1">
   <p:cSld name="Question Slide">
-    <p:bg>
-      <p:bgPr>
-        <a:blipFill dpi="0" rotWithShape="1">
-          <a:blip r:embed="rId2">
-            <a:lum/>
-          </a:blip>
-          <a:srcRect/>
-          <a:stretch>
-            <a:fillRect/>
-          </a:stretch>
-        </a:blipFill>
-        <a:effectLst/>
-      </p:bgPr>
-    </p:bg>
     <p:spTree>
       <p:nvGrpSpPr>
         <p:cNvPr id="1" name=""/>
@@ -2826,7 +2798,7 @@
           <p:nvPr userDrawn="1"/>
         </p:nvPicPr>
         <p:blipFill>
-          <a:blip r:embed="rId3" cstate="print">
+          <a:blip r:embed="rId2" cstate="print">
             <a:extLst>
               <a:ext uri="{28A0092B-C50C-407E-A947-70E740481C1C}">
                 <a14:useLocalDpi xmlns:a14="http://schemas.microsoft.com/office/drawing/2010/main" val="0"/>
@@ -2939,7 +2911,7 @@
           <p:nvPr userDrawn="1"/>
         </p:nvPicPr>
         <p:blipFill>
-          <a:blip r:embed="rId4" cstate="print">
+          <a:blip r:embed="rId3" cstate="print">
             <a:extLst>
               <a:ext uri="{28A0092B-C50C-407E-A947-70E740481C1C}">
                 <a14:useLocalDpi xmlns:a14="http://schemas.microsoft.com/office/drawing/2010/main" val="0"/>
@@ -2963,7 +2935,7 @@
       <p:sp>
         <p:nvSpPr>
           <p:cNvPr id="7" name="TextBox 6">
-            <a:hlinkClick r:id="rId5" tooltip="Software University Foundaton"/>
+            <a:hlinkClick r:id="rId4" tooltip="Software University Foundaton"/>
             <a:extLst>
               <a:ext uri="{FF2B5EF4-FFF2-40B4-BE49-F238E27FC236}">
                 <a16:creationId xmlns:a16="http://schemas.microsoft.com/office/drawing/2014/main" id="{16E2CED5-12CB-4DAB-AB53-DAFC84087DD6}"/>
@@ -3003,7 +2975,7 @@
       <p:sp>
         <p:nvSpPr>
           <p:cNvPr id="8" name="TextBox 7">
-            <a:hlinkClick r:id="rId5" tooltip="Software University Foundaton"/>
+            <a:hlinkClick r:id="rId4" tooltip="Software University Foundaton"/>
             <a:extLst>
               <a:ext uri="{FF2B5EF4-FFF2-40B4-BE49-F238E27FC236}">
                 <a16:creationId xmlns:a16="http://schemas.microsoft.com/office/drawing/2014/main" id="{6AD1C000-AB32-4602-B810-4D9852856055}"/>
@@ -3043,7 +3015,7 @@
       <p:sp>
         <p:nvSpPr>
           <p:cNvPr id="9" name="TextBox 8">
-            <a:hlinkClick r:id="rId5" tooltip="Software University Foundaton"/>
+            <a:hlinkClick r:id="rId4" tooltip="Software University Foundaton"/>
             <a:extLst>
               <a:ext uri="{FF2B5EF4-FFF2-40B4-BE49-F238E27FC236}">
                 <a16:creationId xmlns:a16="http://schemas.microsoft.com/office/drawing/2014/main" id="{3CE77DE0-66FC-48AC-A23C-2E121AF40F0C}"/>
@@ -3083,7 +3055,7 @@
       <p:sp>
         <p:nvSpPr>
           <p:cNvPr id="10" name="TextBox 9">
-            <a:hlinkClick r:id="rId5" tooltip="Software University Foundaton"/>
+            <a:hlinkClick r:id="rId4" tooltip="Software University Foundaton"/>
             <a:extLst>
               <a:ext uri="{FF2B5EF4-FFF2-40B4-BE49-F238E27FC236}">
                 <a16:creationId xmlns:a16="http://schemas.microsoft.com/office/drawing/2014/main" id="{E7C26DA3-0849-42C5-9508-EF9BFF7C47DB}"/>
@@ -3123,7 +3095,7 @@
       <p:sp>
         <p:nvSpPr>
           <p:cNvPr id="11" name="TextBox 10">
-            <a:hlinkClick r:id="rId5" tooltip="Software University Foundaton"/>
+            <a:hlinkClick r:id="rId4" tooltip="Software University Foundaton"/>
             <a:extLst>
               <a:ext uri="{FF2B5EF4-FFF2-40B4-BE49-F238E27FC236}">
                 <a16:creationId xmlns:a16="http://schemas.microsoft.com/office/drawing/2014/main" id="{AB44A4A6-AE34-4A8F-9077-D6569BF40B0C}"/>
@@ -3163,7 +3135,7 @@
       <p:sp>
         <p:nvSpPr>
           <p:cNvPr id="12" name="TextBox 11">
-            <a:hlinkClick r:id="rId5" tooltip="Software University Foundaton"/>
+            <a:hlinkClick r:id="rId4" tooltip="Software University Foundaton"/>
             <a:extLst>
               <a:ext uri="{FF2B5EF4-FFF2-40B4-BE49-F238E27FC236}">
                 <a16:creationId xmlns:a16="http://schemas.microsoft.com/office/drawing/2014/main" id="{68861D82-7435-41E8-B5ED-398623FC4F51}"/>
@@ -3203,7 +3175,7 @@
       <p:sp>
         <p:nvSpPr>
           <p:cNvPr id="13" name="TextBox 12">
-            <a:hlinkClick r:id="rId5" tooltip="Software University Foundaton"/>
+            <a:hlinkClick r:id="rId4" tooltip="Software University Foundaton"/>
             <a:extLst>
               <a:ext uri="{FF2B5EF4-FFF2-40B4-BE49-F238E27FC236}">
                 <a16:creationId xmlns:a16="http://schemas.microsoft.com/office/drawing/2014/main" id="{C224F999-651D-4A26-8A68-EB68765C5790}"/>
@@ -3243,7 +3215,7 @@
       <p:sp>
         <p:nvSpPr>
           <p:cNvPr id="15" name="TextBox 14">
-            <a:hlinkClick r:id="rId5" tooltip="Software University Foundaton"/>
+            <a:hlinkClick r:id="rId4" tooltip="Software University Foundaton"/>
             <a:extLst>
               <a:ext uri="{FF2B5EF4-FFF2-40B4-BE49-F238E27FC236}">
                 <a16:creationId xmlns:a16="http://schemas.microsoft.com/office/drawing/2014/main" id="{B5855C6E-6513-4A5E-964E-CBB574B2B476}"/>
@@ -3283,7 +3255,7 @@
       <p:sp>
         <p:nvSpPr>
           <p:cNvPr id="16" name="TextBox 15">
-            <a:hlinkClick r:id="rId5" tooltip="Software University Foundaton"/>
+            <a:hlinkClick r:id="rId4" tooltip="Software University Foundaton"/>
             <a:extLst>
               <a:ext uri="{FF2B5EF4-FFF2-40B4-BE49-F238E27FC236}">
                 <a16:creationId xmlns:a16="http://schemas.microsoft.com/office/drawing/2014/main" id="{719AA859-1237-4914-865D-8E0CD3AD6567}"/>
@@ -3323,7 +3295,7 @@
       <p:sp>
         <p:nvSpPr>
           <p:cNvPr id="17" name="TextBox 16">
-            <a:hlinkClick r:id="rId5" tooltip="Software University Foundaton"/>
+            <a:hlinkClick r:id="rId4" tooltip="Software University Foundaton"/>
             <a:extLst>
               <a:ext uri="{FF2B5EF4-FFF2-40B4-BE49-F238E27FC236}">
                 <a16:creationId xmlns:a16="http://schemas.microsoft.com/office/drawing/2014/main" id="{53CC8498-FFA6-457D-8B54-3BF3461CEF7A}"/>
@@ -3363,7 +3335,7 @@
       <p:sp>
         <p:nvSpPr>
           <p:cNvPr id="19" name="TextBox 18">
-            <a:hlinkClick r:id="rId5" tooltip="Software University Foundaton"/>
+            <a:hlinkClick r:id="rId4" tooltip="Software University Foundaton"/>
             <a:extLst>
               <a:ext uri="{FF2B5EF4-FFF2-40B4-BE49-F238E27FC236}">
                 <a16:creationId xmlns:a16="http://schemas.microsoft.com/office/drawing/2014/main" id="{2E797E8D-83EB-4466-9FA3-509596EA5568}"/>
@@ -3403,7 +3375,7 @@
       <p:sp>
         <p:nvSpPr>
           <p:cNvPr id="20" name="TextBox 19">
-            <a:hlinkClick r:id="rId5" tooltip="Software University Foundaton"/>
+            <a:hlinkClick r:id="rId4" tooltip="Software University Foundaton"/>
             <a:extLst>
               <a:ext uri="{FF2B5EF4-FFF2-40B4-BE49-F238E27FC236}">
                 <a16:creationId xmlns:a16="http://schemas.microsoft.com/office/drawing/2014/main" id="{58B95D20-6C4F-4F79-AA1D-E40A00E41053}"/>
@@ -3443,7 +3415,7 @@
       <p:sp>
         <p:nvSpPr>
           <p:cNvPr id="21" name="TextBox 20">
-            <a:hlinkClick r:id="rId5" tooltip="Software University Foundaton"/>
+            <a:hlinkClick r:id="rId4" tooltip="Software University Foundaton"/>
             <a:extLst>
               <a:ext uri="{FF2B5EF4-FFF2-40B4-BE49-F238E27FC236}">
                 <a16:creationId xmlns:a16="http://schemas.microsoft.com/office/drawing/2014/main" id="{2CD5EF91-E0BC-462F-B1B8-6B3F8F1038E5}"/>
@@ -3483,7 +3455,7 @@
       <p:sp>
         <p:nvSpPr>
           <p:cNvPr id="22" name="TextBox 21">
-            <a:hlinkClick r:id="rId5" tooltip="Software University Foundaton"/>
+            <a:hlinkClick r:id="rId4" tooltip="Software University Foundaton"/>
             <a:extLst>
               <a:ext uri="{FF2B5EF4-FFF2-40B4-BE49-F238E27FC236}">
                 <a16:creationId xmlns:a16="http://schemas.microsoft.com/office/drawing/2014/main" id="{6FF45627-4AF4-4071-A0E8-76738F228651}"/>
@@ -3523,7 +3495,7 @@
       <p:sp>
         <p:nvSpPr>
           <p:cNvPr id="23" name="TextBox 22">
-            <a:hlinkClick r:id="rId5" tooltip="Software University Foundaton"/>
+            <a:hlinkClick r:id="rId4" tooltip="Software University Foundaton"/>
             <a:extLst>
               <a:ext uri="{FF2B5EF4-FFF2-40B4-BE49-F238E27FC236}">
                 <a16:creationId xmlns:a16="http://schemas.microsoft.com/office/drawing/2014/main" id="{BF119269-565D-4BCB-BED2-4133229E3330}"/>
@@ -3563,7 +3535,7 @@
       <p:sp>
         <p:nvSpPr>
           <p:cNvPr id="24" name="TextBox 23">
-            <a:hlinkClick r:id="rId5" tooltip="Software University Foundaton"/>
+            <a:hlinkClick r:id="rId4" tooltip="Software University Foundaton"/>
             <a:extLst>
               <a:ext uri="{FF2B5EF4-FFF2-40B4-BE49-F238E27FC236}">
                 <a16:creationId xmlns:a16="http://schemas.microsoft.com/office/drawing/2014/main" id="{C9FE10EB-E49B-416A-A18D-617D25B2AADB}"/>
@@ -3603,7 +3575,7 @@
       <p:sp>
         <p:nvSpPr>
           <p:cNvPr id="25" name="TextBox 24">
-            <a:hlinkClick r:id="rId5" tooltip="Software University Foundaton"/>
+            <a:hlinkClick r:id="rId4" tooltip="Software University Foundaton"/>
             <a:extLst>
               <a:ext uri="{FF2B5EF4-FFF2-40B4-BE49-F238E27FC236}">
                 <a16:creationId xmlns:a16="http://schemas.microsoft.com/office/drawing/2014/main" id="{B9FCDDF2-3137-4E34-B264-5F180611DC0D}"/>
@@ -3643,7 +3615,7 @@
       <p:sp>
         <p:nvSpPr>
           <p:cNvPr id="26" name="TextBox 25">
-            <a:hlinkClick r:id="rId5" tooltip="Software University Foundaton"/>
+            <a:hlinkClick r:id="rId4" tooltip="Software University Foundaton"/>
             <a:extLst>
               <a:ext uri="{FF2B5EF4-FFF2-40B4-BE49-F238E27FC236}">
                 <a16:creationId xmlns:a16="http://schemas.microsoft.com/office/drawing/2014/main" id="{F4930118-998D-499A-B37E-D5577CC1A7E4}"/>
@@ -3683,7 +3655,7 @@
       <p:sp>
         <p:nvSpPr>
           <p:cNvPr id="27" name="TextBox 26">
-            <a:hlinkClick r:id="rId5" tooltip="Software University Foundaton"/>
+            <a:hlinkClick r:id="rId4" tooltip="Software University Foundaton"/>
             <a:extLst>
               <a:ext uri="{FF2B5EF4-FFF2-40B4-BE49-F238E27FC236}">
                 <a16:creationId xmlns:a16="http://schemas.microsoft.com/office/drawing/2014/main" id="{A0EE0643-28B4-437C-A977-17D2723F8213}"/>
@@ -3723,7 +3695,7 @@
       <p:sp>
         <p:nvSpPr>
           <p:cNvPr id="28" name="TextBox 27">
-            <a:hlinkClick r:id="rId5" tooltip="Software University Foundaton"/>
+            <a:hlinkClick r:id="rId4" tooltip="Software University Foundaton"/>
             <a:extLst>
               <a:ext uri="{FF2B5EF4-FFF2-40B4-BE49-F238E27FC236}">
                 <a16:creationId xmlns:a16="http://schemas.microsoft.com/office/drawing/2014/main" id="{ADAF237D-C784-4665-8DD2-A2B085FC2CAF}"/>
@@ -3763,7 +3735,7 @@
       <p:sp>
         <p:nvSpPr>
           <p:cNvPr id="29" name="TextBox 28">
-            <a:hlinkClick r:id="rId5" tooltip="Software University Foundaton"/>
+            <a:hlinkClick r:id="rId4" tooltip="Software University Foundaton"/>
             <a:extLst>
               <a:ext uri="{FF2B5EF4-FFF2-40B4-BE49-F238E27FC236}">
                 <a16:creationId xmlns:a16="http://schemas.microsoft.com/office/drawing/2014/main" id="{012AF389-E695-4054-9706-588DCD4FD543}"/>
@@ -3803,7 +3775,7 @@
       <p:sp>
         <p:nvSpPr>
           <p:cNvPr id="30" name="TextBox 29">
-            <a:hlinkClick r:id="rId5" tooltip="Software University Foundaton"/>
+            <a:hlinkClick r:id="rId4" tooltip="Software University Foundaton"/>
             <a:extLst>
               <a:ext uri="{FF2B5EF4-FFF2-40B4-BE49-F238E27FC236}">
                 <a16:creationId xmlns:a16="http://schemas.microsoft.com/office/drawing/2014/main" id="{98678852-FD82-4E90-BE26-4D9E01678873}"/>
@@ -3856,20 +3828,6 @@
 <file path=ppt/slideLayouts/slideLayout11.xml><?xml version="1.0" encoding="utf-8"?>
 <p:sldLayout xmlns:a="http://schemas.openxmlformats.org/drawingml/2006/main" xmlns:r="http://schemas.openxmlformats.org/officeDocument/2006/relationships" xmlns:p="http://schemas.openxmlformats.org/presentationml/2006/main" preserve="1" userDrawn="1">
   <p:cSld name="Presentation Title Slide">
-    <p:bg bwMode="grayWhite">
-      <p:bgPr>
-        <a:blipFill dpi="0" rotWithShape="1">
-          <a:blip r:embed="rId2">
-            <a:lum/>
-          </a:blip>
-          <a:srcRect/>
-          <a:stretch>
-            <a:fillRect/>
-          </a:stretch>
-        </a:blipFill>
-        <a:effectLst/>
-      </p:bgPr>
-    </p:bg>
     <p:spTree>
       <p:nvGrpSpPr>
         <p:cNvPr id="1" name=""/>
@@ -4368,20 +4326,6 @@
 <file path=ppt/slideLayouts/slideLayout12.xml><?xml version="1.0" encoding="utf-8"?>
 <p:sldLayout xmlns:a="http://schemas.openxmlformats.org/drawingml/2006/main" xmlns:r="http://schemas.openxmlformats.org/officeDocument/2006/relationships" xmlns:p="http://schemas.openxmlformats.org/presentationml/2006/main" preserve="1" userDrawn="1">
   <p:cSld name="Title and Content">
-    <p:bg>
-      <p:bgPr>
-        <a:blipFill dpi="0" rotWithShape="1">
-          <a:blip r:embed="rId2">
-            <a:lum/>
-          </a:blip>
-          <a:srcRect/>
-          <a:stretch>
-            <a:fillRect/>
-          </a:stretch>
-        </a:blipFill>
-        <a:effectLst/>
-      </p:bgPr>
-    </p:bg>
     <p:spTree>
       <p:nvGrpSpPr>
         <p:cNvPr id="1" name=""/>
@@ -4432,7 +4376,7 @@
             <a:fld id="{055373AC-9AA7-423B-BA00-BA1C74164DBD}" type="datetime1">
               <a:rPr lang="en-US" smtClean="0"/>
               <a:pPr/>
-              <a:t>6/4/2018</a:t>
+              <a:t>1/20/2019</a:t>
             </a:fld>
             <a:endParaRPr lang="en-US" dirty="0"/>
           </a:p>
@@ -4654,7 +4598,7 @@
           <p:nvPr userDrawn="1"/>
         </p:nvPicPr>
         <p:blipFill>
-          <a:blip r:embed="rId3" cstate="print">
+          <a:blip r:embed="rId2" cstate="print">
             <a:extLst>
               <a:ext uri="{28A0092B-C50C-407E-A947-70E740481C1C}">
                 <a14:useLocalDpi xmlns:a14="http://schemas.microsoft.com/office/drawing/2010/main" val="0"/>
@@ -4691,20 +4635,6 @@
 <file path=ppt/slideLayouts/slideLayout13.xml><?xml version="1.0" encoding="utf-8"?>
 <p:sldLayout xmlns:a="http://schemas.openxmlformats.org/drawingml/2006/main" xmlns:r="http://schemas.openxmlformats.org/officeDocument/2006/relationships" xmlns:p="http://schemas.openxmlformats.org/presentationml/2006/main" userDrawn="1">
   <p:cSld name="Source Code Example">
-    <p:bg>
-      <p:bgPr>
-        <a:blipFill dpi="0" rotWithShape="1">
-          <a:blip r:embed="rId2">
-            <a:lum/>
-          </a:blip>
-          <a:srcRect/>
-          <a:stretch>
-            <a:fillRect/>
-          </a:stretch>
-        </a:blipFill>
-        <a:effectLst/>
-      </p:bgPr>
-    </p:bg>
     <p:spTree>
       <p:nvGrpSpPr>
         <p:cNvPr id="1" name=""/>
@@ -4933,7 +4863,7 @@
             <a:fld id="{055373AC-9AA7-423B-BA00-BA1C74164DBD}" type="datetime1">
               <a:rPr lang="en-US" smtClean="0"/>
               <a:pPr/>
-              <a:t>6/4/2018</a:t>
+              <a:t>1/20/2019</a:t>
             </a:fld>
             <a:endParaRPr lang="en-US" dirty="0"/>
           </a:p>
@@ -5033,7 +4963,7 @@
           <p:nvPr userDrawn="1"/>
         </p:nvPicPr>
         <p:blipFill>
-          <a:blip r:embed="rId3" cstate="print">
+          <a:blip r:embed="rId2" cstate="print">
             <a:extLst>
               <a:ext uri="{28A0092B-C50C-407E-A947-70E740481C1C}">
                 <a14:useLocalDpi xmlns:a14="http://schemas.microsoft.com/office/drawing/2010/main" val="0"/>
@@ -5070,20 +5000,6 @@
 <file path=ppt/slideLayouts/slideLayout14.xml><?xml version="1.0" encoding="utf-8"?>
 <p:sldLayout xmlns:a="http://schemas.openxmlformats.org/drawingml/2006/main" xmlns:r="http://schemas.openxmlformats.org/officeDocument/2006/relationships" xmlns:p="http://schemas.openxmlformats.org/presentationml/2006/main" type="secHead" preserve="1">
   <p:cSld name="Title Slide">
-    <p:bg>
-      <p:bgPr>
-        <a:blipFill dpi="0" rotWithShape="1">
-          <a:blip r:embed="rId2">
-            <a:lum/>
-          </a:blip>
-          <a:srcRect/>
-          <a:stretch>
-            <a:fillRect/>
-          </a:stretch>
-        </a:blipFill>
-        <a:effectLst/>
-      </p:bgPr>
-    </p:bg>
     <p:spTree>
       <p:nvGrpSpPr>
         <p:cNvPr id="1" name=""/>
@@ -5269,7 +5185,7 @@
           <p:nvPr userDrawn="1"/>
         </p:nvPicPr>
         <p:blipFill>
-          <a:blip r:embed="rId3" cstate="print">
+          <a:blip r:embed="rId2" cstate="print">
             <a:extLst>
               <a:ext uri="{28A0092B-C50C-407E-A947-70E740481C1C}">
                 <a14:useLocalDpi xmlns:a14="http://schemas.microsoft.com/office/drawing/2010/main" val="0"/>
@@ -5306,20 +5222,6 @@
 <file path=ppt/slideLayouts/slideLayout15.xml><?xml version="1.0" encoding="utf-8"?>
 <p:sldLayout xmlns:a="http://schemas.openxmlformats.org/drawingml/2006/main" xmlns:r="http://schemas.openxmlformats.org/officeDocument/2006/relationships" xmlns:p="http://schemas.openxmlformats.org/presentationml/2006/main" type="blank" preserve="1">
   <p:cSld name="Blank Slide">
-    <p:bg>
-      <p:bgPr>
-        <a:blipFill dpi="0" rotWithShape="1">
-          <a:blip r:embed="rId2">
-            <a:lum/>
-          </a:blip>
-          <a:srcRect/>
-          <a:stretch>
-            <a:fillRect/>
-          </a:stretch>
-        </a:blipFill>
-        <a:effectLst/>
-      </p:bgPr>
-    </p:bg>
     <p:spTree>
       <p:nvGrpSpPr>
         <p:cNvPr id="1" name=""/>
@@ -5350,20 +5252,6 @@
 <file path=ppt/slideLayouts/slideLayout2.xml><?xml version="1.0" encoding="utf-8"?>
 <p:sldLayout xmlns:a="http://schemas.openxmlformats.org/drawingml/2006/main" xmlns:r="http://schemas.openxmlformats.org/officeDocument/2006/relationships" xmlns:p="http://schemas.openxmlformats.org/presentationml/2006/main" preserve="1" userDrawn="1">
   <p:cSld name="Title and Content">
-    <p:bg>
-      <p:bgPr>
-        <a:blipFill dpi="0" rotWithShape="1">
-          <a:blip r:embed="rId2">
-            <a:lum/>
-          </a:blip>
-          <a:srcRect/>
-          <a:stretch>
-            <a:fillRect/>
-          </a:stretch>
-        </a:blipFill>
-        <a:effectLst/>
-      </p:bgPr>
-    </p:bg>
     <p:spTree>
       <p:nvGrpSpPr>
         <p:cNvPr id="1" name=""/>
@@ -5462,7 +5350,7 @@
                 <a:tabLst/>
                 <a:defRPr/>
               </a:pPr>
-              <a:t>6/4/2018</a:t>
+              <a:t>1/20/2019</a:t>
             </a:fld>
             <a:endParaRPr kumimoji="0" lang="en-US" sz="1000" b="0" i="0" u="none" strike="noStrike" kern="1200" cap="none" spc="0" normalizeH="0" baseline="0" noProof="0" dirty="0">
               <a:ln>
@@ -5794,7 +5682,7 @@
           <p:nvPr userDrawn="1"/>
         </p:nvPicPr>
         <p:blipFill>
-          <a:blip r:embed="rId3" cstate="print">
+          <a:blip r:embed="rId2" cstate="print">
             <a:extLst>
               <a:ext uri="{28A0092B-C50C-407E-A947-70E740481C1C}">
                 <a14:useLocalDpi xmlns:a14="http://schemas.microsoft.com/office/drawing/2010/main" val="0"/>
@@ -5831,20 +5719,6 @@
 <file path=ppt/slideLayouts/slideLayout3.xml><?xml version="1.0" encoding="utf-8"?>
 <p:sldLayout xmlns:a="http://schemas.openxmlformats.org/drawingml/2006/main" xmlns:r="http://schemas.openxmlformats.org/officeDocument/2006/relationships" xmlns:p="http://schemas.openxmlformats.org/presentationml/2006/main" preserve="1" userDrawn="1">
   <p:cSld name="Source Code Example">
-    <p:bg>
-      <p:bgPr>
-        <a:blipFill dpi="0" rotWithShape="1">
-          <a:blip r:embed="rId2">
-            <a:lum/>
-          </a:blip>
-          <a:srcRect/>
-          <a:stretch>
-            <a:fillRect/>
-          </a:stretch>
-        </a:blipFill>
-        <a:effectLst/>
-      </p:bgPr>
-    </p:bg>
     <p:spTree>
       <p:nvGrpSpPr>
         <p:cNvPr id="1" name=""/>
@@ -6121,7 +5995,7 @@
                 <a:tabLst/>
                 <a:defRPr/>
               </a:pPr>
-              <a:t>6/4/2018</a:t>
+              <a:t>1/20/2019</a:t>
             </a:fld>
             <a:endParaRPr kumimoji="0" lang="en-US" sz="1000" b="0" i="0" u="none" strike="noStrike" kern="1200" cap="none" spc="0" normalizeH="0" baseline="0" noProof="0" dirty="0">
               <a:ln>
@@ -6331,7 +6205,7 @@
           <p:nvPr userDrawn="1"/>
         </p:nvPicPr>
         <p:blipFill>
-          <a:blip r:embed="rId3" cstate="print">
+          <a:blip r:embed="rId2" cstate="print">
             <a:extLst>
               <a:ext uri="{28A0092B-C50C-407E-A947-70E740481C1C}">
                 <a14:useLocalDpi xmlns:a14="http://schemas.microsoft.com/office/drawing/2010/main" val="0"/>
@@ -6368,20 +6242,6 @@
 <file path=ppt/slideLayouts/slideLayout4.xml><?xml version="1.0" encoding="utf-8"?>
 <p:sldLayout xmlns:a="http://schemas.openxmlformats.org/drawingml/2006/main" xmlns:r="http://schemas.openxmlformats.org/officeDocument/2006/relationships" xmlns:p="http://schemas.openxmlformats.org/presentationml/2006/main" type="secHead" preserve="1">
   <p:cSld name="Title Slide">
-    <p:bg>
-      <p:bgPr>
-        <a:blipFill dpi="0" rotWithShape="1">
-          <a:blip r:embed="rId2">
-            <a:lum/>
-          </a:blip>
-          <a:srcRect/>
-          <a:stretch>
-            <a:fillRect/>
-          </a:stretch>
-        </a:blipFill>
-        <a:effectLst/>
-      </p:bgPr>
-    </p:bg>
     <p:spTree>
       <p:nvGrpSpPr>
         <p:cNvPr id="1" name=""/>
@@ -6567,7 +6427,7 @@
           <p:nvPr userDrawn="1"/>
         </p:nvPicPr>
         <p:blipFill>
-          <a:blip r:embed="rId3" cstate="print">
+          <a:blip r:embed="rId2" cstate="print">
             <a:extLst>
               <a:ext uri="{28A0092B-C50C-407E-A947-70E740481C1C}">
                 <a14:useLocalDpi xmlns:a14="http://schemas.microsoft.com/office/drawing/2010/main" val="0"/>
@@ -6604,20 +6464,6 @@
 <file path=ppt/slideLayouts/slideLayout5.xml><?xml version="1.0" encoding="utf-8"?>
 <p:sldLayout xmlns:a="http://schemas.openxmlformats.org/drawingml/2006/main" xmlns:r="http://schemas.openxmlformats.org/officeDocument/2006/relationships" xmlns:p="http://schemas.openxmlformats.org/presentationml/2006/main" type="blank" preserve="1">
   <p:cSld name="Blank Slide">
-    <p:bg>
-      <p:bgPr>
-        <a:blipFill dpi="0" rotWithShape="1">
-          <a:blip r:embed="rId2">
-            <a:lum/>
-          </a:blip>
-          <a:srcRect/>
-          <a:stretch>
-            <a:fillRect/>
-          </a:stretch>
-        </a:blipFill>
-        <a:effectLst/>
-      </p:bgPr>
-    </p:bg>
     <p:spTree>
       <p:nvGrpSpPr>
         <p:cNvPr id="1" name=""/>
@@ -6648,20 +6494,6 @@
 <file path=ppt/slideLayouts/slideLayout6.xml><?xml version="1.0" encoding="utf-8"?>
 <p:sldLayout xmlns:a="http://schemas.openxmlformats.org/drawingml/2006/main" xmlns:r="http://schemas.openxmlformats.org/officeDocument/2006/relationships" xmlns:p="http://schemas.openxmlformats.org/presentationml/2006/main" preserve="1" userDrawn="1">
   <p:cSld name="Questions Slide">
-    <p:bg>
-      <p:bgPr>
-        <a:blipFill dpi="0" rotWithShape="1">
-          <a:blip r:embed="rId2">
-            <a:lum/>
-          </a:blip>
-          <a:srcRect/>
-          <a:stretch>
-            <a:fillRect t="-2000" b="-2000"/>
-          </a:stretch>
-        </a:blipFill>
-        <a:effectLst/>
-      </p:bgPr>
-    </p:bg>
     <p:spTree>
       <p:nvGrpSpPr>
         <p:cNvPr id="1" name=""/>
@@ -6756,7 +6588,7 @@
       <p:sp>
         <p:nvSpPr>
           <p:cNvPr id="2" name="TextBox 1">
-            <a:hlinkClick r:id="rId3" tooltip="Software University - Quality Education, Profession and Job for Software Engineers"/>
+            <a:hlinkClick r:id="rId2" tooltip="Software University - Quality Education, Profession and Job for Software Engineers"/>
           </p:cNvPr>
           <p:cNvSpPr txBox="1"/>
           <p:nvPr userDrawn="1"/>
@@ -6817,7 +6649,7 @@
       <p:sp>
         <p:nvSpPr>
           <p:cNvPr id="27" name="TextBox 26">
-            <a:hlinkClick r:id="rId4" tooltip="Software University Foundaton"/>
+            <a:hlinkClick r:id="rId3" tooltip="Software University Foundaton"/>
           </p:cNvPr>
           <p:cNvSpPr txBox="1"/>
           <p:nvPr userDrawn="1"/>
@@ -6878,7 +6710,7 @@
       <p:sp>
         <p:nvSpPr>
           <p:cNvPr id="51" name="TextBox 50">
-            <a:hlinkClick r:id="rId5" tooltip="Svetlin Nakov - Programming and Education for Developers"/>
+            <a:hlinkClick r:id="rId4" tooltip="Svetlin Nakov - Programming and Education for Developers"/>
           </p:cNvPr>
           <p:cNvSpPr txBox="1"/>
           <p:nvPr userDrawn="1"/>
@@ -6939,7 +6771,7 @@
       <p:sp>
         <p:nvSpPr>
           <p:cNvPr id="52" name="TextBox 51">
-            <a:hlinkClick r:id="rId6" tooltip="Software University - Discussion Forum"/>
+            <a:hlinkClick r:id="rId5" tooltip="Software University - Discussion Forum"/>
           </p:cNvPr>
           <p:cNvSpPr txBox="1"/>
           <p:nvPr userDrawn="1"/>
@@ -7000,7 +6832,7 @@
       <p:sp>
         <p:nvSpPr>
           <p:cNvPr id="53" name="TextBox 52">
-            <a:hlinkClick r:id="rId7" tooltip="Software University - Online Judge System"/>
+            <a:hlinkClick r:id="rId6" tooltip="Software University - Online Judge System"/>
           </p:cNvPr>
           <p:cNvSpPr txBox="1"/>
           <p:nvPr userDrawn="1"/>
@@ -7061,7 +6893,7 @@
       <p:sp>
         <p:nvSpPr>
           <p:cNvPr id="54" name="TextBox 53">
-            <a:hlinkClick r:id="rId8" tooltip="Software University @ Facebook"/>
+            <a:hlinkClick r:id="rId7" tooltip="Software University @ Facebook"/>
           </p:cNvPr>
           <p:cNvSpPr txBox="1"/>
           <p:nvPr userDrawn="1"/>
@@ -7122,7 +6954,7 @@
       <p:sp>
         <p:nvSpPr>
           <p:cNvPr id="56" name="TextBox 55">
-            <a:hlinkClick r:id="rId9" tooltip="Software University @ Twitter"/>
+            <a:hlinkClick r:id="rId8" tooltip="Software University @ Twitter"/>
           </p:cNvPr>
           <p:cNvSpPr txBox="1"/>
           <p:nvPr userDrawn="1"/>
@@ -7183,7 +7015,7 @@
       <p:sp>
         <p:nvSpPr>
           <p:cNvPr id="57" name="TextBox 56">
-            <a:hlinkClick r:id="rId10" tooltip="Software University @ YouTube - free training courses and video lessons for software engineers"/>
+            <a:hlinkClick r:id="rId9" tooltip="Software University @ YouTube - free training courses and video lessons for software engineers"/>
           </p:cNvPr>
           <p:cNvSpPr txBox="1"/>
           <p:nvPr userDrawn="1"/>
@@ -7244,7 +7076,7 @@
       <p:sp>
         <p:nvSpPr>
           <p:cNvPr id="58" name="TextBox 57">
-            <a:hlinkClick r:id="rId11" tooltip="Programming Fundamentals Book and Vide Lessons: Learn C#, Programming, Data Structures, Algorithms and Quality Coding"/>
+            <a:hlinkClick r:id="rId10" tooltip="Programming Fundamentals Book and Vide Lessons: Learn C#, Programming, Data Structures, Algorithms and Quality Coding"/>
           </p:cNvPr>
           <p:cNvSpPr txBox="1"/>
           <p:nvPr userDrawn="1"/>
@@ -7413,7 +7245,7 @@
           <p:nvPr userDrawn="1"/>
         </p:nvPicPr>
         <p:blipFill>
-          <a:blip r:embed="rId12" cstate="print">
+          <a:blip r:embed="rId11" cstate="print">
             <a:extLst>
               <a:ext uri="{28A0092B-C50C-407E-A947-70E740481C1C}">
                 <a14:useLocalDpi xmlns:a14="http://schemas.microsoft.com/office/drawing/2010/main" val="0"/>
@@ -7449,7 +7281,7 @@
           <p:nvPr userDrawn="1"/>
         </p:nvPicPr>
         <p:blipFill>
-          <a:blip r:embed="rId13" cstate="print">
+          <a:blip r:embed="rId12" cstate="print">
             <a:extLst>
               <a:ext uri="{28A0092B-C50C-407E-A947-70E740481C1C}">
                 <a14:useLocalDpi xmlns:a14="http://schemas.microsoft.com/office/drawing/2010/main" val="0"/>
@@ -7486,20 +7318,6 @@
 <file path=ppt/slideLayouts/slideLayout7.xml><?xml version="1.0" encoding="utf-8"?>
 <p:sldLayout xmlns:a="http://schemas.openxmlformats.org/drawingml/2006/main" xmlns:r="http://schemas.openxmlformats.org/officeDocument/2006/relationships" xmlns:p="http://schemas.openxmlformats.org/presentationml/2006/main" preserve="1" userDrawn="1">
   <p:cSld name="1_Presentation Title Slide">
-    <p:bg bwMode="grayWhite">
-      <p:bgPr>
-        <a:blipFill dpi="0" rotWithShape="1">
-          <a:blip r:embed="rId2">
-            <a:lum/>
-          </a:blip>
-          <a:srcRect/>
-          <a:stretch>
-            <a:fillRect/>
-          </a:stretch>
-        </a:blipFill>
-        <a:effectLst/>
-      </p:bgPr>
-    </p:bg>
     <p:spTree>
       <p:nvGrpSpPr>
         <p:cNvPr id="1" name=""/>
@@ -7998,20 +7816,6 @@
 <file path=ppt/slideLayouts/slideLayout8.xml><?xml version="1.0" encoding="utf-8"?>
 <p:sldLayout xmlns:a="http://schemas.openxmlformats.org/drawingml/2006/main" xmlns:r="http://schemas.openxmlformats.org/officeDocument/2006/relationships" xmlns:p="http://schemas.openxmlformats.org/presentationml/2006/main" preserve="1" userDrawn="1">
   <p:cSld name="1_Title and Content">
-    <p:bg>
-      <p:bgPr>
-        <a:blipFill dpi="0" rotWithShape="1">
-          <a:blip r:embed="rId2">
-            <a:lum/>
-          </a:blip>
-          <a:srcRect/>
-          <a:stretch>
-            <a:fillRect/>
-          </a:stretch>
-        </a:blipFill>
-        <a:effectLst/>
-      </p:bgPr>
-    </p:bg>
     <p:spTree>
       <p:nvGrpSpPr>
         <p:cNvPr id="1" name=""/>
@@ -8062,7 +7866,7 @@
             <a:fld id="{055373AC-9AA7-423B-BA00-BA1C74164DBD}" type="datetime1">
               <a:rPr lang="en-US" smtClean="0"/>
               <a:pPr/>
-              <a:t>6/4/2018</a:t>
+              <a:t>1/20/2019</a:t>
             </a:fld>
             <a:endParaRPr lang="en-US" dirty="0"/>
           </a:p>
@@ -8278,7 +8082,7 @@
           <p:nvPr userDrawn="1"/>
         </p:nvPicPr>
         <p:blipFill>
-          <a:blip r:embed="rId3" cstate="print"/>
+          <a:blip r:embed="rId2" cstate="print"/>
           <a:srcRect/>
           <a:stretch>
             <a:fillRect/>
@@ -8311,25 +8115,6 @@
 <file path=ppt/slideLayouts/slideLayout9.xml><?xml version="1.0" encoding="utf-8"?>
 <p:sldLayout xmlns:a="http://schemas.openxmlformats.org/drawingml/2006/main" xmlns:r="http://schemas.openxmlformats.org/officeDocument/2006/relationships" xmlns:p="http://schemas.openxmlformats.org/presentationml/2006/main" userDrawn="1">
   <p:cSld name="1_Questions Slide">
-    <p:bg>
-      <p:bgPr>
-        <a:blipFill dpi="0" rotWithShape="1">
-          <a:blip r:embed="rId2" cstate="print">
-            <a:lum/>
-            <a:extLst>
-              <a:ext uri="{28A0092B-C50C-407E-A947-70E740481C1C}">
-                <a14:useLocalDpi xmlns:a14="http://schemas.microsoft.com/office/drawing/2010/main" val="0"/>
-              </a:ext>
-            </a:extLst>
-          </a:blip>
-          <a:srcRect/>
-          <a:stretch>
-            <a:fillRect/>
-          </a:stretch>
-        </a:blipFill>
-        <a:effectLst/>
-      </p:bgPr>
-    </p:bg>
     <p:spTree>
       <p:nvGrpSpPr>
         <p:cNvPr id="1" name=""/>
@@ -8477,7 +8262,7 @@
           <p:nvPr userDrawn="1"/>
         </p:nvPicPr>
         <p:blipFill>
-          <a:blip r:embed="rId3" cstate="print">
+          <a:blip r:embed="rId2" cstate="print">
             <a:extLst>
               <a:ext uri="{28A0092B-C50C-407E-A947-70E740481C1C}">
                 <a14:useLocalDpi xmlns:a14="http://schemas.microsoft.com/office/drawing/2010/main" val="0"/>
@@ -8538,7 +8323,7 @@
       <p:sp>
         <p:nvSpPr>
           <p:cNvPr id="2" name="TextBox 1">
-            <a:hlinkClick r:id="rId4" tooltip="Software University - Quality Education, Profession and Job for Software Engineers"/>
+            <a:hlinkClick r:id="rId3" tooltip="Software University - Quality Education, Profession and Job for Software Engineers"/>
           </p:cNvPr>
           <p:cNvSpPr txBox="1"/>
           <p:nvPr userDrawn="1"/>
@@ -8573,7 +8358,7 @@
       <p:sp>
         <p:nvSpPr>
           <p:cNvPr id="27" name="TextBox 26">
-            <a:hlinkClick r:id="rId5" tooltip="Software University Foundaton"/>
+            <a:hlinkClick r:id="rId4" tooltip="Software University Foundaton"/>
           </p:cNvPr>
           <p:cNvSpPr txBox="1"/>
           <p:nvPr userDrawn="1"/>
@@ -8608,7 +8393,7 @@
       <p:sp>
         <p:nvSpPr>
           <p:cNvPr id="51" name="TextBox 50">
-            <a:hlinkClick r:id="rId6" tooltip="Svetlin Nakov - Programming and Education for Developers"/>
+            <a:hlinkClick r:id="rId5" tooltip="Svetlin Nakov - Programming and Education for Developers"/>
           </p:cNvPr>
           <p:cNvSpPr txBox="1"/>
           <p:nvPr userDrawn="1"/>
@@ -8643,7 +8428,7 @@
       <p:sp>
         <p:nvSpPr>
           <p:cNvPr id="52" name="TextBox 51">
-            <a:hlinkClick r:id="rId7" tooltip="Software University - Discussion Forum"/>
+            <a:hlinkClick r:id="rId6" tooltip="Software University - Discussion Forum"/>
           </p:cNvPr>
           <p:cNvSpPr txBox="1"/>
           <p:nvPr userDrawn="1"/>
@@ -8678,7 +8463,7 @@
       <p:sp>
         <p:nvSpPr>
           <p:cNvPr id="53" name="TextBox 52">
-            <a:hlinkClick r:id="rId8" tooltip="Software University - Online Judge System"/>
+            <a:hlinkClick r:id="rId7" tooltip="Software University - Online Judge System"/>
           </p:cNvPr>
           <p:cNvSpPr txBox="1"/>
           <p:nvPr userDrawn="1"/>
@@ -8713,7 +8498,7 @@
       <p:sp>
         <p:nvSpPr>
           <p:cNvPr id="54" name="TextBox 53">
-            <a:hlinkClick r:id="rId9" tooltip="Software University @ Facebook"/>
+            <a:hlinkClick r:id="rId8" tooltip="Software University @ Facebook"/>
           </p:cNvPr>
           <p:cNvSpPr txBox="1"/>
           <p:nvPr userDrawn="1"/>
@@ -8748,7 +8533,7 @@
       <p:sp>
         <p:nvSpPr>
           <p:cNvPr id="56" name="TextBox 55">
-            <a:hlinkClick r:id="rId10" tooltip="Software University @ Twitter"/>
+            <a:hlinkClick r:id="rId9" tooltip="Software University @ Twitter"/>
           </p:cNvPr>
           <p:cNvSpPr txBox="1"/>
           <p:nvPr userDrawn="1"/>
@@ -8783,7 +8568,7 @@
       <p:sp>
         <p:nvSpPr>
           <p:cNvPr id="57" name="TextBox 56">
-            <a:hlinkClick r:id="rId11" tooltip="Software University @ YouTube - free training courses and video lessons for software engineers"/>
+            <a:hlinkClick r:id="rId10" tooltip="Software University @ YouTube - free training courses and video lessons for software engineers"/>
           </p:cNvPr>
           <p:cNvSpPr txBox="1"/>
           <p:nvPr userDrawn="1"/>
@@ -8818,7 +8603,7 @@
       <p:sp>
         <p:nvSpPr>
           <p:cNvPr id="58" name="TextBox 57">
-            <a:hlinkClick r:id="rId12" tooltip="Programming Fundamentals Book and Vide Lessons: Learn C#, Programming, Data Structures, Algorithms and Quality Coding"/>
+            <a:hlinkClick r:id="rId11" tooltip="Programming Fundamentals Book and Vide Lessons: Learn C#, Programming, Data Structures, Algorithms and Quality Coding"/>
           </p:cNvPr>
           <p:cNvSpPr txBox="1"/>
           <p:nvPr userDrawn="1"/>
@@ -8869,13 +8654,9 @@
     <p:bg>
       <p:bgPr>
         <a:blipFill dpi="0" rotWithShape="1">
-          <a:blip r:embed="rId12">
-            <a:lum/>
-          </a:blip>
+          <a:blip r:embed="rId12"/>
           <a:srcRect/>
-          <a:stretch>
-            <a:fillRect/>
-          </a:stretch>
+          <a:tile tx="0" ty="0" sx="100000" sy="100000" flip="none" algn="tl"/>
         </a:blipFill>
         <a:effectLst/>
       </p:bgPr>
@@ -8978,7 +8759,7 @@
                 <a:tabLst/>
                 <a:defRPr/>
               </a:pPr>
-              <a:t>6/4/2018</a:t>
+              <a:t>1/20/2019</a:t>
             </a:fld>
             <a:endParaRPr kumimoji="0" lang="en-US" sz="1000" b="0" i="0" u="none" strike="noStrike" kern="1200" cap="none" spc="0" normalizeH="0" baseline="0" noProof="0" dirty="0">
               <a:ln>
@@ -9645,13 +9426,9 @@
     <p:bg>
       <p:bgPr>
         <a:blipFill dpi="0" rotWithShape="1">
-          <a:blip r:embed="rId7">
-            <a:lum/>
-          </a:blip>
+          <a:blip r:embed="rId7"/>
           <a:srcRect/>
-          <a:stretch>
-            <a:fillRect/>
-          </a:stretch>
+          <a:tile tx="0" ty="0" sx="100000" sy="100000" flip="none" algn="tl"/>
         </a:blipFill>
         <a:effectLst/>
       </p:bgPr>
@@ -9706,7 +9483,7 @@
             <a:fld id="{055373AC-9AA7-423B-BA00-BA1C74164DBD}" type="datetime1">
               <a:rPr lang="en-US" smtClean="0"/>
               <a:pPr/>
-              <a:t>6/4/2018</a:t>
+              <a:t>1/20/2019</a:t>
             </a:fld>
             <a:endParaRPr lang="en-US" dirty="0"/>
           </a:p>
@@ -18170,6 +17947,14 @@
                 </a:rPr>
                 <a:t>true</a:t>
               </a:r>
+              <a:r>
+                <a:rPr lang="it-IT" sz="2200" dirty="0">
+                  <a:solidFill>
+                    <a:schemeClr val="tx1"/>
+                  </a:solidFill>
+                </a:rPr>
+                <a:t/>
+              </a:r>
               <a:br>
                 <a:rPr lang="it-IT" sz="2200" dirty="0">
                   <a:solidFill>
@@ -18727,6 +18512,14 @@
                 </a:rPr>
                 <a:t>false</a:t>
               </a:r>
+              <a:r>
+                <a:rPr lang="it-IT" sz="2200" dirty="0">
+                  <a:solidFill>
+                    <a:schemeClr val="tx1"/>
+                  </a:solidFill>
+                </a:rPr>
+                <a:t/>
+              </a:r>
               <a:br>
                 <a:rPr lang="it-IT" sz="2200" dirty="0">
                   <a:solidFill>
@@ -22730,23 +22523,7 @@
                   <a:schemeClr val="tx2"/>
                 </a:solidFill>
               </a:rPr>
-              <a:t>const app = </a:t>
-            </a:r>
-            <a:r>
-              <a:rPr lang="en-US" noProof="1">
-                <a:solidFill>
-                  <a:schemeClr val="tx2"/>
-                </a:solidFill>
-              </a:rPr>
-              <a:t>require('express')</a:t>
-            </a:r>
-            <a:r>
-              <a:rPr lang="en-US" noProof="1">
-                <a:solidFill>
-                  <a:schemeClr val="tx2"/>
-                </a:solidFill>
-              </a:rPr>
-              <a:t>()</a:t>
+              <a:t>const app = require('express')()</a:t>
             </a:r>
           </a:p>
           <a:p>
@@ -27118,7 +26895,6 @@
               <a:rPr lang="en-US" sz="3200" dirty="0"/>
               <a:t> development</a:t>
             </a:r>
-            <a:endParaRPr lang="en-US" sz="3200" dirty="0"/>
           </a:p>
           <a:p>
             <a:pPr>
@@ -27158,7 +26934,6 @@
               <a:rPr lang="en-US" sz="3200" dirty="0"/>
               <a:t> offers effective templates and simple helper functions</a:t>
             </a:r>
-            <a:endParaRPr lang="en-US" sz="3200" dirty="0"/>
           </a:p>
           <a:p>
             <a:pPr>
@@ -29040,6 +28815,10 @@
                 </a:solidFill>
               </a:rPr>
               <a:t>sli.do</a:t>
+            </a:r>
+            <a:r>
+              <a:rPr lang="en-US" sz="6000" b="1" dirty="0"/>
+              <a:t/>
             </a:r>
             <a:br>
               <a:rPr lang="en-US" sz="6000" b="1" dirty="0"/>
